--- a/lecture notes/from Modeling to Continuous-time LQ/powerpoint_handouts (work in progress)/16-stateFeedback (imcmp-presentation-light) - pub.pptx
+++ b/lecture notes/from Modeling to Continuous-time LQ/powerpoint_handouts (work in progress)/16-stateFeedback (imcmp-presentation-light) - pub.pptx
@@ -1590,7 +1590,7 @@
           <a:p>
             <a:fld id="{1D8BD707-D9CF-40AE-B4C6-C98DA3205C09}" type="datetimeFigureOut">
               <a:rPr lang="en-US"/>
-              <a:t>10/21/2025</a:t>
+              <a:t>10/21/25</a:t>
             </a:fld>
             <a:endParaRPr lang="en-US"/>
           </a:p>
@@ -1850,7 +1850,7 @@
           <a:p>
             <a:fld id="{1D8BD707-D9CF-40AE-B4C6-C98DA3205C09}" type="datetimeFigureOut">
               <a:rPr lang="en-US"/>
-              <a:t>10/21/2025</a:t>
+              <a:t>10/21/25</a:t>
             </a:fld>
             <a:endParaRPr lang="en-US"/>
           </a:p>
@@ -2147,7 +2147,7 @@
           <a:p>
             <a:fld id="{1D8BD707-D9CF-40AE-B4C6-C98DA3205C09}" type="datetimeFigureOut">
               <a:rPr lang="en-US"/>
-              <a:t>10/21/2025</a:t>
+              <a:t>10/21/25</a:t>
             </a:fld>
             <a:endParaRPr lang="en-US"/>
           </a:p>
@@ -2386,7 +2386,7 @@
           <a:p>
             <a:fld id="{1D8BD707-D9CF-40AE-B4C6-C98DA3205C09}" type="datetimeFigureOut">
               <a:rPr lang="en-US"/>
-              <a:t>10/21/2025</a:t>
+              <a:t>10/21/25</a:t>
             </a:fld>
             <a:endParaRPr lang="en-US"/>
           </a:p>
@@ -2588,7 +2588,7 @@
           <a:p>
             <a:fld id="{1D8BD707-D9CF-40AE-B4C6-C98DA3205C09}" type="datetimeFigureOut">
               <a:rPr lang="en-US"/>
-              <a:t>10/21/2025</a:t>
+              <a:t>10/21/25</a:t>
             </a:fld>
             <a:endParaRPr lang="en-US"/>
           </a:p>
@@ -2946,7 +2946,7 @@
           <a:p>
             <a:fld id="{1D8BD707-D9CF-40AE-B4C6-C98DA3205C09}" type="datetimeFigureOut">
               <a:rPr lang="en-US"/>
-              <a:t>10/21/2025</a:t>
+              <a:t>10/21/25</a:t>
             </a:fld>
             <a:endParaRPr lang="en-US"/>
           </a:p>
@@ -3387,159 +3387,6 @@
       </p:sp>
       <p:sp>
         <p:nvSpPr>
-          <p:cNvPr id="5" name="object 5"/>
-          <p:cNvSpPr txBox="1">
-            <a:spLocks noGrp="1"/>
-          </p:cNvSpPr>
-          <p:nvPr>
-            <p:ph type="ftr" sz="quarter" idx="5"/>
-          </p:nvPr>
-        </p:nvSpPr>
-        <p:spPr>
-          <a:prstGeom prst="rect">
-            <a:avLst/>
-          </a:prstGeom>
-        </p:spPr>
-        <p:txBody>
-          <a:bodyPr vert="horz" wrap="square" lIns="0" tIns="7620" rIns="0" bIns="0" rtlCol="0">
-            <a:spAutoFit/>
-          </a:bodyPr>
-          <a:lstStyle/>
-          <a:p>
-            <a:pPr marL="12700">
-              <a:lnSpc>
-                <a:spcPct val="100000"/>
-              </a:lnSpc>
-              <a:spcBef>
-                <a:spcPts val="60"/>
-              </a:spcBef>
-            </a:pPr>
-            <a:r>
-              <a:rPr spc="50" dirty="0"/>
-              <a:t>Mod</a:t>
-            </a:r>
-            <a:r>
-              <a:rPr spc="125" dirty="0"/>
-              <a:t> </a:t>
-            </a:r>
-            <a:r>
-              <a:rPr spc="10" dirty="0"/>
-              <a:t>Ctrl</a:t>
-            </a:r>
-            <a:r>
-              <a:rPr spc="130" dirty="0"/>
-              <a:t> </a:t>
-            </a:r>
-            <a:r>
-              <a:rPr spc="10" dirty="0"/>
-              <a:t>Intro</a:t>
-            </a:r>
-            <a:r>
-              <a:rPr spc="415" dirty="0"/>
-              <a:t> </a:t>
-            </a:r>
-            <a:r>
-              <a:rPr spc="50" dirty="0"/>
-              <a:t>(w</a:t>
-            </a:r>
-            <a:r>
-              <a:rPr spc="125" dirty="0"/>
-              <a:t> </a:t>
-            </a:r>
-            <a:r>
-              <a:rPr spc="10" dirty="0"/>
-              <a:t>Matlab</a:t>
-            </a:r>
-            <a:r>
-              <a:rPr spc="130" dirty="0"/>
-              <a:t> </a:t>
-            </a:r>
-            <a:r>
-              <a:rPr spc="125" dirty="0"/>
-              <a:t>&amp;</a:t>
-            </a:r>
-            <a:r>
-              <a:rPr spc="130" dirty="0"/>
-              <a:t> </a:t>
-            </a:r>
-            <a:r>
-              <a:rPr spc="-10" dirty="0"/>
-              <a:t>Python)</a:t>
-            </a:r>
-          </a:p>
-        </p:txBody>
-      </p:sp>
-      <p:sp>
-        <p:nvSpPr>
-          <p:cNvPr id="6" name="object 6"/>
-          <p:cNvSpPr txBox="1"/>
-          <p:nvPr/>
-        </p:nvSpPr>
-        <p:spPr>
-          <a:xfrm>
-            <a:off x="2004695" y="3338410"/>
-            <a:ext cx="599440" cy="122555"/>
-          </a:xfrm>
-          <a:prstGeom prst="rect">
-            <a:avLst/>
-          </a:prstGeom>
-        </p:spPr>
-        <p:txBody>
-          <a:bodyPr vert="horz" wrap="square" lIns="0" tIns="7620" rIns="0" bIns="0" rtlCol="0">
-            <a:spAutoFit/>
-          </a:bodyPr>
-          <a:lstStyle/>
-          <a:p>
-            <a:pPr marL="12700">
-              <a:lnSpc>
-                <a:spcPct val="100000"/>
-              </a:lnSpc>
-              <a:spcBef>
-                <a:spcPts val="60"/>
-              </a:spcBef>
-            </a:pPr>
-            <a:r>
-              <a:rPr sz="600" dirty="0">
-                <a:solidFill>
-                  <a:srgbClr val="FF84BD"/>
-                </a:solidFill>
-                <a:latin typeface="Arial"/>
-                <a:cs typeface="Arial"/>
-                <a:hlinkClick r:id="rId2" action="ppaction://hlinksldjump"/>
-              </a:rPr>
-              <a:t>State</a:t>
-            </a:r>
-            <a:r>
-              <a:rPr sz="600" spc="195" dirty="0">
-                <a:solidFill>
-                  <a:srgbClr val="FF84BD"/>
-                </a:solidFill>
-                <a:latin typeface="Arial"/>
-                <a:cs typeface="Arial"/>
-                <a:hlinkClick r:id="rId2" action="ppaction://hlinksldjump"/>
-              </a:rPr>
-              <a:t> </a:t>
-            </a:r>
-            <a:r>
-              <a:rPr sz="600" spc="-10" dirty="0">
-                <a:solidFill>
-                  <a:srgbClr val="FF84BD"/>
-                </a:solidFill>
-                <a:latin typeface="Arial"/>
-                <a:cs typeface="Arial"/>
-                <a:hlinkClick r:id="rId2" action="ppaction://hlinksldjump"/>
-              </a:rPr>
-              <a:t>Feedback</a:t>
-            </a:r>
-            <a:endParaRPr sz="600">
-              <a:latin typeface="Arial"/>
-              <a:cs typeface="Arial"/>
-            </a:endParaRPr>
-          </a:p>
-        </p:txBody>
-      </p:sp>
-      <p:sp>
-        <p:nvSpPr>
           <p:cNvPr id="7" name="object 7"/>
           <p:cNvSpPr txBox="1">
             <a:spLocks noGrp="1"/>
@@ -3587,6 +3434,113 @@
               <a:rPr spc="-25" dirty="0"/>
               <a:t>16</a:t>
             </a:r>
+          </a:p>
+        </p:txBody>
+      </p:sp>
+      <p:sp>
+        <p:nvSpPr>
+          <p:cNvPr id="8" name="object 4">
+            <a:extLst>
+              <a:ext uri="{FF2B5EF4-FFF2-40B4-BE49-F238E27FC236}">
+                <a16:creationId xmlns:a16="http://schemas.microsoft.com/office/drawing/2014/main" id="{1A9E9C42-5458-C95B-A347-2E2C226420D9}"/>
+              </a:ext>
+            </a:extLst>
+          </p:cNvPr>
+          <p:cNvSpPr txBox="1">
+            <a:spLocks noGrp="1"/>
+          </p:cNvSpPr>
+          <p:nvPr>
+            <p:ph type="ftr" sz="quarter" idx="5"/>
+          </p:nvPr>
+        </p:nvSpPr>
+        <p:spPr>
+          <a:xfrm>
+            <a:off x="-61405" y="3322038"/>
+            <a:ext cx="2152650" cy="116699"/>
+          </a:xfrm>
+          <a:prstGeom prst="rect">
+            <a:avLst/>
+          </a:prstGeom>
+        </p:spPr>
+        <p:txBody>
+          <a:bodyPr vert="horz" wrap="square" lIns="0" tIns="24130" rIns="0" bIns="0" rtlCol="0">
+            <a:spAutoFit/>
+          </a:bodyPr>
+          <a:lstStyle/>
+          <a:p>
+            <a:pPr marL="12700" algn="ctr">
+              <a:lnSpc>
+                <a:spcPct val="100000"/>
+              </a:lnSpc>
+              <a:spcBef>
+                <a:spcPts val="190"/>
+              </a:spcBef>
+            </a:pPr>
+            <a:r>
+              <a:rPr dirty="0"/>
+              <a:t>Mod</a:t>
+            </a:r>
+            <a:r>
+              <a:rPr spc="80" dirty="0"/>
+              <a:t> </a:t>
+            </a:r>
+            <a:r>
+              <a:rPr dirty="0"/>
+              <a:t>Ctrl</a:t>
+            </a:r>
+            <a:r>
+              <a:rPr spc="75" dirty="0"/>
+              <a:t> </a:t>
+            </a:r>
+            <a:r>
+              <a:rPr dirty="0"/>
+              <a:t>Intr</a:t>
+            </a:r>
+            <a:r>
+              <a:rPr lang="en-US" dirty="0"/>
+              <a:t>o</a:t>
+            </a:r>
+            <a:r>
+              <a:rPr lang="en-US" spc="320" dirty="0"/>
+              <a:t> </a:t>
+            </a:r>
+            <a:r>
+              <a:rPr lang="en-US" dirty="0"/>
+              <a:t>(</a:t>
+            </a:r>
+            <a:r>
+              <a:rPr dirty="0"/>
+              <a:t>w</a:t>
+            </a:r>
+            <a:r>
+              <a:rPr spc="75" dirty="0"/>
+              <a:t> </a:t>
+            </a:r>
+            <a:r>
+              <a:rPr dirty="0"/>
+              <a:t>Matlab</a:t>
+            </a:r>
+            <a:r>
+              <a:rPr spc="80" dirty="0"/>
+              <a:t> &amp;</a:t>
+            </a:r>
+            <a:r>
+              <a:rPr spc="75" dirty="0"/>
+              <a:t> </a:t>
+            </a:r>
+            <a:r>
+              <a:rPr spc="-10" dirty="0"/>
+              <a:t>Python)</a:t>
+            </a:r>
+            <a:r>
+              <a:rPr lang="en-US" spc="-10" dirty="0"/>
+              <a:t>, Chen &amp; </a:t>
+            </a:r>
+            <a:r>
+              <a:rPr lang="en-US" spc="-10" dirty="0" err="1"/>
+              <a:t>Tomizuka</a:t>
+            </a:r>
+            <a:endParaRPr spc="-10" dirty="0"/>
           </a:p>
         </p:txBody>
       </p:sp>
@@ -4003,8 +3957,8 @@
           </p:txBody>
         </p:sp>
       </p:grpSp>
-      <mc:AlternateContent xmlns:mc="http://schemas.openxmlformats.org/markup-compatibility/2006">
-        <mc:Choice xmlns:a14="http://schemas.microsoft.com/office/drawing/2010/main" Requires="a14">
+      <mc:AlternateContent xmlns:mc="http://schemas.openxmlformats.org/markup-compatibility/2006" xmlns:a14="http://schemas.microsoft.com/office/drawing/2010/main">
+        <mc:Choice Requires="a14">
           <p:sp>
             <p:nvSpPr>
               <p:cNvPr id="11" name="object 11"/>
@@ -5696,7 +5650,7 @@
             </p:txBody>
           </p:sp>
         </mc:Choice>
-        <mc:Fallback>
+        <mc:Fallback xmlns="">
           <p:sp>
             <p:nvSpPr>
               <p:cNvPr id="11" name="object 11"/>
@@ -7779,8 +7733,8 @@
           </a:p>
         </p:txBody>
       </p:sp>
-      <mc:AlternateContent xmlns:mc="http://schemas.openxmlformats.org/markup-compatibility/2006">
-        <mc:Choice xmlns:a14="http://schemas.microsoft.com/office/drawing/2010/main" Requires="a14">
+      <mc:AlternateContent xmlns:mc="http://schemas.openxmlformats.org/markup-compatibility/2006" xmlns:a14="http://schemas.microsoft.com/office/drawing/2010/main">
+        <mc:Choice Requires="a14">
           <p:sp>
             <p:nvSpPr>
               <p:cNvPr id="63" name="文本框 62">
@@ -7945,13 +7899,7 @@
                                       <a:rPr lang="en-US" altLang="zh-CN" sz="1200" b="0" i="1" smtClean="0">
                                         <a:latin typeface="Cambria Math" panose="02040503050406030204" pitchFamily="18" charset="0"/>
                                       </a:rPr>
-                                      <m:t>𝑢</m:t>
-                                    </m:r>
-                                    <m:r>
-                                      <a:rPr lang="en-US" altLang="zh-CN" sz="1200" b="0" i="1" smtClean="0">
-                                        <a:latin typeface="Cambria Math" panose="02040503050406030204" pitchFamily="18" charset="0"/>
-                                      </a:rPr>
-                                      <m:t>𝑐</m:t>
+                                      <m:t>𝑢𝑐</m:t>
                                     </m:r>
                                   </m:sub>
                                 </m:sSub>
@@ -8121,13 +8069,7 @@
                                       <a:rPr lang="en-US" altLang="zh-CN" sz="1200" b="0" i="1" smtClean="0">
                                         <a:latin typeface="Cambria Math" panose="02040503050406030204" pitchFamily="18" charset="0"/>
                                       </a:rPr>
-                                      <m:t>1</m:t>
-                                    </m:r>
-                                    <m:r>
-                                      <a:rPr lang="en-US" altLang="zh-CN" sz="1200" b="0" i="1" smtClean="0">
-                                        <a:latin typeface="Cambria Math" panose="02040503050406030204" pitchFamily="18" charset="0"/>
-                                      </a:rPr>
-                                      <m:t>2</m:t>
+                                      <m:t>12</m:t>
                                     </m:r>
                                   </m:sub>
                                 </m:sSub>
@@ -8338,13 +8280,7 @@
                                       <a:rPr lang="en-US" altLang="zh-CN" sz="1200" b="0" i="1" smtClean="0">
                                         <a:latin typeface="Cambria Math" panose="02040503050406030204" pitchFamily="18" charset="0"/>
                                       </a:rPr>
-                                      <m:t>𝑢</m:t>
-                                    </m:r>
-                                    <m:r>
-                                      <a:rPr lang="en-US" altLang="zh-CN" sz="1200" b="0" i="1" smtClean="0">
-                                        <a:latin typeface="Cambria Math" panose="02040503050406030204" pitchFamily="18" charset="0"/>
-                                      </a:rPr>
-                                      <m:t>𝑐</m:t>
+                                      <m:t>𝑢𝑐</m:t>
                                     </m:r>
                                   </m:sub>
                                 </m:sSub>
@@ -8455,7 +8391,7 @@
             </p:txBody>
           </p:sp>
         </mc:Choice>
-        <mc:Fallback>
+        <mc:Fallback xmlns="">
           <p:sp>
             <p:nvSpPr>
               <p:cNvPr id="63" name="文本框 62">
@@ -8500,8 +8436,8 @@
           </p:sp>
         </mc:Fallback>
       </mc:AlternateContent>
-      <mc:AlternateContent xmlns:mc="http://schemas.openxmlformats.org/markup-compatibility/2006">
-        <mc:Choice xmlns:a14="http://schemas.microsoft.com/office/drawing/2010/main" Requires="a14">
+      <mc:AlternateContent xmlns:mc="http://schemas.openxmlformats.org/markup-compatibility/2006" xmlns:a14="http://schemas.microsoft.com/office/drawing/2010/main">
+        <mc:Choice Requires="a14">
           <p:sp>
             <p:nvSpPr>
               <p:cNvPr id="64" name="文本框 63">
@@ -8666,13 +8602,7 @@
                                       <a:rPr lang="en-US" altLang="zh-CN" sz="1200" b="0" i="1" smtClean="0">
                                         <a:latin typeface="Cambria Math" panose="02040503050406030204" pitchFamily="18" charset="0"/>
                                       </a:rPr>
-                                      <m:t>𝑢</m:t>
-                                    </m:r>
-                                    <m:r>
-                                      <a:rPr lang="en-US" altLang="zh-CN" sz="1200" b="0" i="1" smtClean="0">
-                                        <a:latin typeface="Cambria Math" panose="02040503050406030204" pitchFamily="18" charset="0"/>
-                                      </a:rPr>
-                                      <m:t>𝑐</m:t>
+                                      <m:t>𝑢𝑐</m:t>
                                     </m:r>
                                   </m:sub>
                                 </m:sSub>
@@ -8868,13 +8798,7 @@
                                       <a:rPr lang="en-US" altLang="zh-CN" sz="1200" b="0" i="1" smtClean="0">
                                         <a:latin typeface="Cambria Math" panose="02040503050406030204" pitchFamily="18" charset="0"/>
                                       </a:rPr>
-                                      <m:t>1</m:t>
-                                    </m:r>
-                                    <m:r>
-                                      <a:rPr lang="en-US" altLang="zh-CN" sz="1200" b="0" i="1" smtClean="0">
-                                        <a:latin typeface="Cambria Math" panose="02040503050406030204" pitchFamily="18" charset="0"/>
-                                      </a:rPr>
-                                      <m:t>2</m:t>
+                                      <m:t>12</m:t>
                                     </m:r>
                                   </m:sub>
                                 </m:sSub>
@@ -9116,13 +9040,7 @@
                                       <a:rPr lang="en-US" altLang="zh-CN" sz="1200" b="0" i="1" smtClean="0">
                                         <a:latin typeface="Cambria Math" panose="02040503050406030204" pitchFamily="18" charset="0"/>
                                       </a:rPr>
-                                      <m:t>𝑢</m:t>
-                                    </m:r>
-                                    <m:r>
-                                      <a:rPr lang="en-US" altLang="zh-CN" sz="1200" b="0" i="1" smtClean="0">
-                                        <a:latin typeface="Cambria Math" panose="02040503050406030204" pitchFamily="18" charset="0"/>
-                                      </a:rPr>
-                                      <m:t>𝑐</m:t>
+                                      <m:t>𝑢𝑐</m:t>
                                     </m:r>
                                   </m:sub>
                                 </m:sSub>
@@ -9233,7 +9151,7 @@
             </p:txBody>
           </p:sp>
         </mc:Choice>
-        <mc:Fallback>
+        <mc:Fallback xmlns="">
           <p:sp>
             <p:nvSpPr>
               <p:cNvPr id="64" name="文本框 63">
@@ -9278,8 +9196,8 @@
           </p:sp>
         </mc:Fallback>
       </mc:AlternateContent>
-      <mc:AlternateContent xmlns:mc="http://schemas.openxmlformats.org/markup-compatibility/2006">
-        <mc:Choice xmlns:a14="http://schemas.microsoft.com/office/drawing/2010/main" Requires="a14">
+      <mc:AlternateContent xmlns:mc="http://schemas.openxmlformats.org/markup-compatibility/2006" xmlns:a14="http://schemas.microsoft.com/office/drawing/2010/main">
+        <mc:Choice Requires="a14">
           <p:sp>
             <p:nvSpPr>
               <p:cNvPr id="65" name="文本框 64">
@@ -9325,13 +9243,7 @@
                         <a:rPr lang="en-US" altLang="zh-CN" sz="1200" b="0" i="1" smtClean="0">
                           <a:latin typeface="Cambria Math" panose="02040503050406030204" pitchFamily="18" charset="0"/>
                         </a:rPr>
-                        <m:t>=</m:t>
-                      </m:r>
-                      <m:r>
-                        <a:rPr lang="en-US" altLang="zh-CN" sz="1200" b="0" i="1" smtClean="0">
-                          <a:latin typeface="Cambria Math" panose="02040503050406030204" pitchFamily="18" charset="0"/>
-                        </a:rPr>
-                        <m:t>−</m:t>
+                        <m:t>=−</m:t>
                       </m:r>
                       <m:d>
                         <m:dPr>
@@ -9548,13 +9460,7 @@
                                       <a:rPr lang="en-US" altLang="zh-CN" sz="1200" b="0" i="1" smtClean="0">
                                         <a:latin typeface="Cambria Math" panose="02040503050406030204" pitchFamily="18" charset="0"/>
                                       </a:rPr>
-                                      <m:t>𝑢</m:t>
-                                    </m:r>
-                                    <m:r>
-                                      <a:rPr lang="en-US" altLang="zh-CN" sz="1200" b="0" i="1" smtClean="0">
-                                        <a:latin typeface="Cambria Math" panose="02040503050406030204" pitchFamily="18" charset="0"/>
-                                      </a:rPr>
-                                      <m:t>𝑐</m:t>
+                                      <m:t>𝑢𝑐</m:t>
                                     </m:r>
                                   </m:sub>
                                 </m:sSub>
@@ -9583,7 +9489,7 @@
             </p:txBody>
           </p:sp>
         </mc:Choice>
-        <mc:Fallback>
+        <mc:Fallback xmlns="">
           <p:sp>
             <p:nvSpPr>
               <p:cNvPr id="65" name="文本框 64">
@@ -10526,8 +10432,8 @@
           </a:p>
         </p:txBody>
       </p:sp>
-      <mc:AlternateContent xmlns:mc="http://schemas.openxmlformats.org/markup-compatibility/2006">
-        <mc:Choice xmlns:a14="http://schemas.microsoft.com/office/drawing/2010/main" Requires="a14">
+      <mc:AlternateContent xmlns:mc="http://schemas.openxmlformats.org/markup-compatibility/2006" xmlns:a14="http://schemas.microsoft.com/office/drawing/2010/main">
+        <mc:Choice Requires="a14">
           <p:sp>
             <p:nvSpPr>
               <p:cNvPr id="39" name="文本框 38">
@@ -10692,13 +10598,7 @@
                                       <a:rPr lang="en-US" altLang="zh-CN" sz="1200" b="0" i="1" smtClean="0">
                                         <a:latin typeface="Cambria Math" panose="02040503050406030204" pitchFamily="18" charset="0"/>
                                       </a:rPr>
-                                      <m:t>𝑢</m:t>
-                                    </m:r>
-                                    <m:r>
-                                      <a:rPr lang="en-US" altLang="zh-CN" sz="1200" b="0" i="1" smtClean="0">
-                                        <a:latin typeface="Cambria Math" panose="02040503050406030204" pitchFamily="18" charset="0"/>
-                                      </a:rPr>
-                                      <m:t>𝑐</m:t>
+                                      <m:t>𝑢𝑐</m:t>
                                     </m:r>
                                   </m:sub>
                                 </m:sSub>
@@ -11198,13 +11098,7 @@
                                       <a:rPr lang="en-US" altLang="zh-CN" sz="1200" b="0" i="1" smtClean="0">
                                         <a:latin typeface="Cambria Math" panose="02040503050406030204" pitchFamily="18" charset="0"/>
                                       </a:rPr>
-                                      <m:t>𝑢</m:t>
-                                    </m:r>
-                                    <m:r>
-                                      <a:rPr lang="en-US" altLang="zh-CN" sz="1200" b="0" i="1" smtClean="0">
-                                        <a:latin typeface="Cambria Math" panose="02040503050406030204" pitchFamily="18" charset="0"/>
-                                      </a:rPr>
-                                      <m:t>𝑐</m:t>
+                                      <m:t>𝑢𝑐</m:t>
                                     </m:r>
                                   </m:sub>
                                 </m:sSub>
@@ -11315,7 +11209,7 @@
             </p:txBody>
           </p:sp>
         </mc:Choice>
-        <mc:Fallback>
+        <mc:Fallback xmlns="">
           <p:sp>
             <p:nvSpPr>
               <p:cNvPr id="39" name="文本框 38">
@@ -11360,8 +11254,8 @@
           </p:sp>
         </mc:Fallback>
       </mc:AlternateContent>
-      <mc:AlternateContent xmlns:mc="http://schemas.openxmlformats.org/markup-compatibility/2006">
-        <mc:Choice xmlns:a14="http://schemas.microsoft.com/office/drawing/2010/main" Requires="a14">
+      <mc:AlternateContent xmlns:mc="http://schemas.openxmlformats.org/markup-compatibility/2006" xmlns:a14="http://schemas.microsoft.com/office/drawing/2010/main">
+        <mc:Choice Requires="a14">
           <p:sp>
             <p:nvSpPr>
               <p:cNvPr id="41" name="文本框 40">
@@ -12012,7 +11906,7 @@
             </p:txBody>
           </p:sp>
         </mc:Choice>
-        <mc:Fallback>
+        <mc:Fallback xmlns="">
           <p:sp>
             <p:nvSpPr>
               <p:cNvPr id="41" name="文本框 40">
@@ -13428,8 +13322,8 @@
           <a:chExt cx="0" cy="0"/>
         </a:xfrm>
       </p:grpSpPr>
-      <mc:AlternateContent xmlns:mc="http://schemas.openxmlformats.org/markup-compatibility/2006">
-        <mc:Choice xmlns:a14="http://schemas.microsoft.com/office/drawing/2010/main" Requires="a14">
+      <mc:AlternateContent xmlns:mc="http://schemas.openxmlformats.org/markup-compatibility/2006" xmlns:a14="http://schemas.microsoft.com/office/drawing/2010/main">
+        <mc:Choice Requires="a14">
           <p:sp>
             <p:nvSpPr>
               <p:cNvPr id="8" name="object 8"/>
@@ -13662,7 +13556,7 @@
             </p:txBody>
           </p:sp>
         </mc:Choice>
-        <mc:Fallback>
+        <mc:Fallback xmlns="">
           <p:sp>
             <p:nvSpPr>
               <p:cNvPr id="8" name="object 8"/>
@@ -14109,8 +14003,8 @@
           </a:p>
         </p:txBody>
       </p:sp>
-      <mc:AlternateContent xmlns:mc="http://schemas.openxmlformats.org/markup-compatibility/2006">
-        <mc:Choice xmlns:a14="http://schemas.microsoft.com/office/drawing/2010/main" Requires="a14">
+      <mc:AlternateContent xmlns:mc="http://schemas.openxmlformats.org/markup-compatibility/2006" xmlns:a14="http://schemas.microsoft.com/office/drawing/2010/main">
+        <mc:Choice Requires="a14">
           <p:sp>
             <p:nvSpPr>
               <p:cNvPr id="9" name="object 9"/>
@@ -14389,7 +14283,7 @@
             </p:txBody>
           </p:sp>
         </mc:Choice>
-        <mc:Fallback>
+        <mc:Fallback xmlns="">
           <p:sp>
             <p:nvSpPr>
               <p:cNvPr id="9" name="object 9"/>
@@ -16610,8 +16504,8 @@
           </a:p>
         </p:txBody>
       </p:sp>
-      <mc:AlternateContent xmlns:mc="http://schemas.openxmlformats.org/markup-compatibility/2006">
-        <mc:Choice xmlns:a14="http://schemas.microsoft.com/office/drawing/2010/main" Requires="a14">
+      <mc:AlternateContent xmlns:mc="http://schemas.openxmlformats.org/markup-compatibility/2006" xmlns:a14="http://schemas.microsoft.com/office/drawing/2010/main">
+        <mc:Choice Requires="a14">
           <p:sp>
             <p:nvSpPr>
               <p:cNvPr id="46" name="文本框 45">
@@ -17381,7 +17275,7 @@
             </p:txBody>
           </p:sp>
         </mc:Choice>
-        <mc:Fallback>
+        <mc:Fallback xmlns="">
           <p:sp>
             <p:nvSpPr>
               <p:cNvPr id="46" name="文本框 45">
@@ -17426,8 +17320,8 @@
           </p:sp>
         </mc:Fallback>
       </mc:AlternateContent>
-      <mc:AlternateContent xmlns:mc="http://schemas.openxmlformats.org/markup-compatibility/2006">
-        <mc:Choice xmlns:a14="http://schemas.microsoft.com/office/drawing/2010/main" Requires="a14">
+      <mc:AlternateContent xmlns:mc="http://schemas.openxmlformats.org/markup-compatibility/2006" xmlns:a14="http://schemas.microsoft.com/office/drawing/2010/main">
+        <mc:Choice Requires="a14">
           <p:sp>
             <p:nvSpPr>
               <p:cNvPr id="47" name="文本框 46">
@@ -17456,6 +17350,7 @@
               </a:bodyPr>
               <a:lstStyle/>
               <a:p>
+                <a:pPr/>
                 <a14:m>
                   <m:oMathPara xmlns:m="http://schemas.openxmlformats.org/officeDocument/2006/math">
                     <m:oMathParaPr>
@@ -17526,7 +17421,7 @@
             </p:txBody>
           </p:sp>
         </mc:Choice>
-        <mc:Fallback>
+        <mc:Fallback xmlns="">
           <p:sp>
             <p:nvSpPr>
               <p:cNvPr id="47" name="文本框 46">
@@ -19791,8 +19686,8 @@
           </a:p>
         </p:txBody>
       </p:sp>
-      <mc:AlternateContent xmlns:mc="http://schemas.openxmlformats.org/markup-compatibility/2006">
-        <mc:Choice xmlns:a14="http://schemas.microsoft.com/office/drawing/2010/main" Requires="a14">
+      <mc:AlternateContent xmlns:mc="http://schemas.openxmlformats.org/markup-compatibility/2006" xmlns:a14="http://schemas.microsoft.com/office/drawing/2010/main">
+        <mc:Choice Requires="a14">
           <p:sp>
             <p:nvSpPr>
               <p:cNvPr id="6" name="object 6"/>
@@ -20138,7 +20033,7 @@
             </p:txBody>
           </p:sp>
         </mc:Choice>
-        <mc:Fallback>
+        <mc:Fallback xmlns="">
           <p:sp>
             <p:nvSpPr>
               <p:cNvPr id="6" name="object 6"/>
@@ -21780,8 +21675,8 @@
           </a:p>
         </p:txBody>
       </p:sp>
-      <mc:AlternateContent xmlns:mc="http://schemas.openxmlformats.org/markup-compatibility/2006">
-        <mc:Choice xmlns:a14="http://schemas.microsoft.com/office/drawing/2010/main" Requires="a14">
+      <mc:AlternateContent xmlns:mc="http://schemas.openxmlformats.org/markup-compatibility/2006" xmlns:a14="http://schemas.microsoft.com/office/drawing/2010/main">
+        <mc:Choice Requires="a14">
           <p:sp>
             <p:nvSpPr>
               <p:cNvPr id="4" name="object 4"/>
@@ -21971,7 +21866,7 @@
             </p:txBody>
           </p:sp>
         </mc:Choice>
-        <mc:Fallback>
+        <mc:Fallback xmlns="">
           <p:sp>
             <p:nvSpPr>
               <p:cNvPr id="4" name="object 4"/>
@@ -22811,8 +22706,8 @@
           </a:p>
         </p:txBody>
       </p:sp>
-      <mc:AlternateContent xmlns:mc="http://schemas.openxmlformats.org/markup-compatibility/2006">
-        <mc:Choice xmlns:a14="http://schemas.microsoft.com/office/drawing/2010/main" Requires="a14">
+      <mc:AlternateContent xmlns:mc="http://schemas.openxmlformats.org/markup-compatibility/2006" xmlns:a14="http://schemas.microsoft.com/office/drawing/2010/main">
+        <mc:Choice Requires="a14">
           <p:sp>
             <p:nvSpPr>
               <p:cNvPr id="21" name="object 21"/>
@@ -23230,7 +23125,7 @@
             </p:txBody>
           </p:sp>
         </mc:Choice>
-        <mc:Fallback>
+        <mc:Fallback xmlns="">
           <p:sp>
             <p:nvSpPr>
               <p:cNvPr id="21" name="object 21"/>
@@ -26340,8 +26235,8 @@
           </a:p>
         </p:txBody>
       </p:sp>
-      <mc:AlternateContent xmlns:mc="http://schemas.openxmlformats.org/markup-compatibility/2006">
-        <mc:Choice xmlns:a14="http://schemas.microsoft.com/office/drawing/2010/main" Requires="a14">
+      <mc:AlternateContent xmlns:mc="http://schemas.openxmlformats.org/markup-compatibility/2006" xmlns:a14="http://schemas.microsoft.com/office/drawing/2010/main">
+        <mc:Choice Requires="a14">
           <p:sp>
             <p:nvSpPr>
               <p:cNvPr id="48" name="文本框 47">
@@ -26370,6 +26265,7 @@
               </a:bodyPr>
               <a:lstStyle/>
               <a:p>
+                <a:pPr/>
                 <a14:m>
                   <m:oMathPara xmlns:m="http://schemas.openxmlformats.org/officeDocument/2006/math">
                     <m:oMathParaPr>
@@ -26815,6 +26711,7 @@
                 <a:endParaRPr lang="en-US" altLang="zh-CN" sz="1200" b="0" dirty="0"/>
               </a:p>
               <a:p>
+                <a:pPr/>
                 <a14:m>
                   <m:oMathPara xmlns:m="http://schemas.openxmlformats.org/officeDocument/2006/math">
                     <m:oMathParaPr>
@@ -27270,6 +27167,7 @@
                 <a:endParaRPr lang="en-US" altLang="zh-CN" sz="1200" dirty="0"/>
               </a:p>
               <a:p>
+                <a:pPr/>
                 <a14:m>
                   <m:oMathPara xmlns:m="http://schemas.openxmlformats.org/officeDocument/2006/math">
                     <m:oMathParaPr>
@@ -27453,6 +27351,7 @@
                 <a:endParaRPr lang="en-US" altLang="zh-CN" sz="1200" b="0" dirty="0"/>
               </a:p>
               <a:p>
+                <a:pPr/>
                 <a14:m>
                   <m:oMathPara xmlns:m="http://schemas.openxmlformats.org/officeDocument/2006/math">
                     <m:oMathParaPr>
@@ -27685,7 +27584,7 @@
             </p:txBody>
           </p:sp>
         </mc:Choice>
-        <mc:Fallback>
+        <mc:Fallback xmlns="">
           <p:sp>
             <p:nvSpPr>
               <p:cNvPr id="48" name="文本框 47">
@@ -27834,8 +27733,8 @@
           </a:p>
         </p:txBody>
       </p:sp>
-      <mc:AlternateContent xmlns:mc="http://schemas.openxmlformats.org/markup-compatibility/2006">
-        <mc:Choice xmlns:a14="http://schemas.microsoft.com/office/drawing/2010/main" Requires="a14">
+      <mc:AlternateContent xmlns:mc="http://schemas.openxmlformats.org/markup-compatibility/2006" xmlns:a14="http://schemas.microsoft.com/office/drawing/2010/main">
+        <mc:Choice Requires="a14">
           <p:graphicFrame>
             <p:nvGraphicFramePr>
               <p:cNvPr id="3" name="object 3"/>
@@ -29152,7 +29051,7 @@
             </a:graphic>
           </p:graphicFrame>
         </mc:Choice>
-        <mc:Fallback>
+        <mc:Fallback xmlns="">
           <p:graphicFrame>
             <p:nvGraphicFramePr>
               <p:cNvPr id="3" name="object 3"/>
@@ -30037,8 +29936,8 @@
           </a:p>
         </p:txBody>
       </p:sp>
-      <mc:AlternateContent xmlns:mc="http://schemas.openxmlformats.org/markup-compatibility/2006">
-        <mc:Choice xmlns:a14="http://schemas.microsoft.com/office/drawing/2010/main" Requires="a14">
+      <mc:AlternateContent xmlns:mc="http://schemas.openxmlformats.org/markup-compatibility/2006" xmlns:a14="http://schemas.microsoft.com/office/drawing/2010/main">
+        <mc:Choice Requires="a14">
           <p:sp>
             <p:nvSpPr>
               <p:cNvPr id="41" name="文本框 40">
@@ -31129,7 +31028,7 @@
             </p:txBody>
           </p:sp>
         </mc:Choice>
-        <mc:Fallback>
+        <mc:Fallback xmlns="">
           <p:sp>
             <p:nvSpPr>
               <p:cNvPr id="41" name="文本框 40">
@@ -32003,8 +31902,8 @@
           </a:p>
         </p:txBody>
       </p:sp>
-      <mc:AlternateContent xmlns:mc="http://schemas.openxmlformats.org/markup-compatibility/2006">
-        <mc:Choice xmlns:a14="http://schemas.microsoft.com/office/drawing/2010/main" Requires="a14">
+      <mc:AlternateContent xmlns:mc="http://schemas.openxmlformats.org/markup-compatibility/2006" xmlns:a14="http://schemas.microsoft.com/office/drawing/2010/main">
+        <mc:Choice Requires="a14">
           <p:sp>
             <p:nvSpPr>
               <p:cNvPr id="23" name="object 23"/>
@@ -32435,7 +32334,7 @@
             </p:txBody>
           </p:sp>
         </mc:Choice>
-        <mc:Fallback>
+        <mc:Fallback xmlns="">
           <p:sp>
             <p:nvSpPr>
               <p:cNvPr id="23" name="object 23"/>
@@ -32664,8 +32563,8 @@
           </a:p>
         </p:txBody>
       </p:sp>
-      <mc:AlternateContent xmlns:mc="http://schemas.openxmlformats.org/markup-compatibility/2006">
-        <mc:Choice xmlns:a14="http://schemas.microsoft.com/office/drawing/2010/main" Requires="a14">
+      <mc:AlternateContent xmlns:mc="http://schemas.openxmlformats.org/markup-compatibility/2006" xmlns:a14="http://schemas.microsoft.com/office/drawing/2010/main">
+        <mc:Choice Requires="a14">
           <p:sp>
             <p:nvSpPr>
               <p:cNvPr id="34" name="object 34"/>
@@ -32854,7 +32753,7 @@
             </p:txBody>
           </p:sp>
         </mc:Choice>
-        <mc:Fallback>
+        <mc:Fallback xmlns="">
           <p:sp>
             <p:nvSpPr>
               <p:cNvPr id="34" name="object 34"/>
@@ -33160,8 +33059,8 @@
           </a:p>
         </p:txBody>
       </p:sp>
-      <mc:AlternateContent xmlns:mc="http://schemas.openxmlformats.org/markup-compatibility/2006">
-        <mc:Choice xmlns:a14="http://schemas.microsoft.com/office/drawing/2010/main" Requires="a14">
+      <mc:AlternateContent xmlns:mc="http://schemas.openxmlformats.org/markup-compatibility/2006" xmlns:a14="http://schemas.microsoft.com/office/drawing/2010/main">
+        <mc:Choice Requires="a14">
           <p:sp>
             <p:nvSpPr>
               <p:cNvPr id="40" name="文本框 39">
@@ -33364,7 +33263,7 @@
             </p:txBody>
           </p:sp>
         </mc:Choice>
-        <mc:Fallback>
+        <mc:Fallback xmlns="">
           <p:sp>
             <p:nvSpPr>
               <p:cNvPr id="40" name="文本框 39">
@@ -33409,8 +33308,8 @@
           </p:sp>
         </mc:Fallback>
       </mc:AlternateContent>
-      <mc:AlternateContent xmlns:mc="http://schemas.openxmlformats.org/markup-compatibility/2006">
-        <mc:Choice xmlns:a14="http://schemas.microsoft.com/office/drawing/2010/main" Requires="a14">
+      <mc:AlternateContent xmlns:mc="http://schemas.openxmlformats.org/markup-compatibility/2006" xmlns:a14="http://schemas.microsoft.com/office/drawing/2010/main">
+        <mc:Choice Requires="a14">
           <p:sp>
             <p:nvSpPr>
               <p:cNvPr id="41" name="文本框 40">
@@ -33718,7 +33617,7 @@
             </p:txBody>
           </p:sp>
         </mc:Choice>
-        <mc:Fallback>
+        <mc:Fallback xmlns="">
           <p:sp>
             <p:nvSpPr>
               <p:cNvPr id="41" name="文本框 40">
@@ -33763,8 +33662,8 @@
           </p:sp>
         </mc:Fallback>
       </mc:AlternateContent>
-      <mc:AlternateContent xmlns:mc="http://schemas.openxmlformats.org/markup-compatibility/2006">
-        <mc:Choice xmlns:a14="http://schemas.microsoft.com/office/drawing/2010/main" Requires="a14">
+      <mc:AlternateContent xmlns:mc="http://schemas.openxmlformats.org/markup-compatibility/2006" xmlns:a14="http://schemas.microsoft.com/office/drawing/2010/main">
+        <mc:Choice Requires="a14">
           <p:sp>
             <p:nvSpPr>
               <p:cNvPr id="43" name="文本框 42">
@@ -34238,7 +34137,7 @@
             </p:txBody>
           </p:sp>
         </mc:Choice>
-        <mc:Fallback>
+        <mc:Fallback xmlns="">
           <p:sp>
             <p:nvSpPr>
               <p:cNvPr id="43" name="文本框 42">
